--- a/15. Arquitetura de Negócio para cada Cenário.pptx
+++ b/15. Arquitetura de Negócio para cada Cenário.pptx
@@ -5,14 +5,15 @@
     <p:sldMasterId id="2147483659" r:id="rId1"/>
   </p:sldMasterIdLst>
   <p:notesMasterIdLst>
-    <p:notesMasterId r:id="rId7"/>
+    <p:notesMasterId r:id="rId8"/>
   </p:notesMasterIdLst>
   <p:sldIdLst>
     <p:sldId id="256" r:id="rId2"/>
     <p:sldId id="258" r:id="rId3"/>
     <p:sldId id="262" r:id="rId4"/>
-    <p:sldId id="259" r:id="rId5"/>
-    <p:sldId id="261" r:id="rId6"/>
+    <p:sldId id="263" r:id="rId5"/>
+    <p:sldId id="259" r:id="rId6"/>
+    <p:sldId id="261" r:id="rId7"/>
   </p:sldIdLst>
   <p:sldSz cx="9144000" cy="5143500" type="screen16x9"/>
   <p:notesSz cx="6858000" cy="9144000"/>
@@ -1014,6 +1015,115 @@
   <p:cSld>
     <p:spTree>
       <p:nvGrpSpPr>
+        <p:cNvPr id="1" name="Shape 97"/>
+        <p:cNvGrpSpPr/>
+        <p:nvPr/>
+      </p:nvGrpSpPr>
+      <p:grpSpPr>
+        <a:xfrm>
+          <a:off x="0" y="0"/>
+          <a:ext cx="0" cy="0"/>
+          <a:chOff x="0" y="0"/>
+          <a:chExt cx="0" cy="0"/>
+        </a:xfrm>
+      </p:grpSpPr>
+      <p:sp>
+        <p:nvSpPr>
+          <p:cNvPr id="98" name="Google Shape;98;g2546aa1b3b_0_45:notes"/>
+          <p:cNvSpPr>
+            <a:spLocks noGrp="1" noRot="1" noChangeAspect="1"/>
+          </p:cNvSpPr>
+          <p:nvPr>
+            <p:ph type="sldImg" idx="2"/>
+          </p:nvPr>
+        </p:nvSpPr>
+        <p:spPr>
+          <a:xfrm>
+            <a:off x="381000" y="685800"/>
+            <a:ext cx="6096000" cy="3429000"/>
+          </a:xfrm>
+          <a:custGeom>
+            <a:avLst/>
+            <a:gdLst/>
+            <a:ahLst/>
+            <a:cxnLst/>
+            <a:rect l="l" t="t" r="r" b="b"/>
+            <a:pathLst>
+              <a:path w="120000" h="120000" extrusionOk="0">
+                <a:moveTo>
+                  <a:pt x="0" y="0"/>
+                </a:moveTo>
+                <a:lnTo>
+                  <a:pt x="120000" y="0"/>
+                </a:lnTo>
+                <a:lnTo>
+                  <a:pt x="120000" y="120000"/>
+                </a:lnTo>
+                <a:lnTo>
+                  <a:pt x="0" y="120000"/>
+                </a:lnTo>
+                <a:close/>
+              </a:path>
+            </a:pathLst>
+          </a:custGeom>
+        </p:spPr>
+      </p:sp>
+      <p:sp>
+        <p:nvSpPr>
+          <p:cNvPr id="99" name="Google Shape;99;g2546aa1b3b_0_45:notes"/>
+          <p:cNvSpPr txBox="1">
+            <a:spLocks noGrp="1"/>
+          </p:cNvSpPr>
+          <p:nvPr>
+            <p:ph type="body" idx="1"/>
+          </p:nvPr>
+        </p:nvSpPr>
+        <p:spPr>
+          <a:xfrm>
+            <a:off x="685800" y="4343400"/>
+            <a:ext cx="5486400" cy="4114800"/>
+          </a:xfrm>
+          <a:prstGeom prst="rect">
+            <a:avLst/>
+          </a:prstGeom>
+        </p:spPr>
+        <p:txBody>
+          <a:bodyPr spcFirstLastPara="1" wrap="square" lIns="91425" tIns="91425" rIns="91425" bIns="91425" anchor="t" anchorCtr="0">
+            <a:noAutofit/>
+          </a:bodyPr>
+          <a:lstStyle/>
+          <a:p>
+            <a:pPr marL="0" lvl="0" indent="0" algn="l" rtl="0">
+              <a:spcBef>
+                <a:spcPts val="0"/>
+              </a:spcBef>
+              <a:spcAft>
+                <a:spcPts val="0"/>
+              </a:spcAft>
+              <a:buNone/>
+            </a:pPr>
+            <a:endParaRPr/>
+          </a:p>
+        </p:txBody>
+      </p:sp>
+    </p:spTree>
+    <p:extLst>
+      <p:ext uri="{BB962C8B-B14F-4D97-AF65-F5344CB8AC3E}">
+        <p14:creationId xmlns:p14="http://schemas.microsoft.com/office/powerpoint/2010/main" val="1086987119"/>
+      </p:ext>
+    </p:extLst>
+  </p:cSld>
+  <p:clrMapOvr>
+    <a:masterClrMapping/>
+  </p:clrMapOvr>
+</p:notes>
+</file>
+
+<file path=ppt/notesSlides/notesSlide5.xml><?xml version="1.0" encoding="utf-8"?>
+<p:notes xmlns:a="http://schemas.openxmlformats.org/drawingml/2006/main" xmlns:r="http://schemas.openxmlformats.org/officeDocument/2006/relationships" xmlns:p="http://schemas.openxmlformats.org/presentationml/2006/main" showMasterSp="0" showMasterPhAnim="0">
+  <p:cSld>
+    <p:spTree>
+      <p:nvGrpSpPr>
         <p:cNvPr id="1" name="Shape 50"/>
         <p:cNvGrpSpPr/>
         <p:nvPr/>
@@ -1118,7 +1228,7 @@
 </p:notes>
 </file>
 
-<file path=ppt/notesSlides/notesSlide5.xml><?xml version="1.0" encoding="utf-8"?>
+<file path=ppt/notesSlides/notesSlide6.xml><?xml version="1.0" encoding="utf-8"?>
 <p:notes xmlns:a="http://schemas.openxmlformats.org/drawingml/2006/main" xmlns:r="http://schemas.openxmlformats.org/officeDocument/2006/relationships" xmlns:p="http://schemas.openxmlformats.org/presentationml/2006/main" showMasterSp="0" showMasterPhAnim="0">
   <p:cSld>
     <p:spTree>
@@ -6395,8 +6505,41 @@
                   <a:schemeClr val="dk1"/>
                 </a:solidFill>
               </a:rPr>
-              <a:t>Solicitar serviço;</a:t>
+              <a:t>Solicitar serviço</a:t>
             </a:r>
+            <a:r>
+              <a:rPr lang="pt-BR" sz="1000" dirty="0" smtClean="0">
+                <a:solidFill>
+                  <a:schemeClr val="dk1"/>
+                </a:solidFill>
+              </a:rPr>
+              <a:t>;</a:t>
+            </a:r>
+          </a:p>
+          <a:p>
+            <a:pPr marL="457200" lvl="0" indent="-292100" algn="l" rtl="0">
+              <a:spcBef>
+                <a:spcPts val="0"/>
+              </a:spcBef>
+              <a:spcAft>
+                <a:spcPts val="0"/>
+              </a:spcAft>
+              <a:buSzPts val="1000"/>
+              <a:buChar char="❖"/>
+            </a:pPr>
+            <a:r>
+              <a:rPr lang="pt-BR" sz="1000" dirty="0" smtClean="0">
+                <a:solidFill>
+                  <a:schemeClr val="dk1"/>
+                </a:solidFill>
+              </a:rPr>
+              <a:t>Realizar pagamento.</a:t>
+            </a:r>
+            <a:endParaRPr lang="pt-BR" sz="1000" dirty="0">
+              <a:solidFill>
+                <a:schemeClr val="dk1"/>
+              </a:solidFill>
+            </a:endParaRPr>
           </a:p>
         </p:txBody>
       </p:sp>
@@ -7783,6 +7926,668 @@
   <p:cSld>
     <p:spTree>
       <p:nvGrpSpPr>
+        <p:cNvPr id="1" name="Shape 100"/>
+        <p:cNvGrpSpPr/>
+        <p:nvPr/>
+      </p:nvGrpSpPr>
+      <p:grpSpPr>
+        <a:xfrm>
+          <a:off x="0" y="0"/>
+          <a:ext cx="0" cy="0"/>
+          <a:chOff x="0" y="0"/>
+          <a:chExt cx="0" cy="0"/>
+        </a:xfrm>
+      </p:grpSpPr>
+      <p:sp>
+        <p:nvSpPr>
+          <p:cNvPr id="101" name="Google Shape;101;p15"/>
+          <p:cNvSpPr txBox="1"/>
+          <p:nvPr/>
+        </p:nvSpPr>
+        <p:spPr>
+          <a:xfrm>
+            <a:off x="130400" y="1445725"/>
+            <a:ext cx="8542500" cy="1367400"/>
+          </a:xfrm>
+          <a:prstGeom prst="rect">
+            <a:avLst/>
+          </a:prstGeom>
+          <a:noFill/>
+          <a:ln w="9525" cap="flat" cmpd="sng">
+            <a:solidFill>
+              <a:srgbClr val="FF9900"/>
+            </a:solidFill>
+            <a:prstDash val="solid"/>
+            <a:round/>
+            <a:headEnd type="none" w="sm" len="sm"/>
+            <a:tailEnd type="none" w="sm" len="sm"/>
+          </a:ln>
+        </p:spPr>
+        <p:txBody>
+          <a:bodyPr spcFirstLastPara="1" wrap="square" lIns="91425" tIns="91425" rIns="91425" bIns="91425" anchor="t" anchorCtr="0">
+            <a:noAutofit/>
+          </a:bodyPr>
+          <a:lstStyle/>
+          <a:p>
+            <a:pPr marL="0" lvl="0" indent="0" algn="l" rtl="0">
+              <a:spcBef>
+                <a:spcPts val="0"/>
+              </a:spcBef>
+              <a:spcAft>
+                <a:spcPts val="0"/>
+              </a:spcAft>
+              <a:buNone/>
+            </a:pPr>
+            <a:r>
+              <a:rPr lang="pt-BR"/>
+              <a:t>Nós Operacionais</a:t>
+            </a:r>
+            <a:endParaRPr/>
+          </a:p>
+        </p:txBody>
+      </p:sp>
+      <p:sp>
+        <p:nvSpPr>
+          <p:cNvPr id="102" name="Google Shape;102;p15"/>
+          <p:cNvSpPr/>
+          <p:nvPr/>
+        </p:nvSpPr>
+        <p:spPr>
+          <a:xfrm>
+            <a:off x="3659550" y="186275"/>
+            <a:ext cx="1815000" cy="771900"/>
+          </a:xfrm>
+          <a:prstGeom prst="wave">
+            <a:avLst>
+              <a:gd name="adj1" fmla="val 6999"/>
+              <a:gd name="adj2" fmla="val 0"/>
+            </a:avLst>
+          </a:prstGeom>
+          <a:solidFill>
+            <a:srgbClr val="F4CCCC"/>
+          </a:solidFill>
+          <a:ln w="9525" cap="flat" cmpd="sng">
+            <a:solidFill>
+              <a:srgbClr val="FFFFFF"/>
+            </a:solidFill>
+            <a:prstDash val="solid"/>
+            <a:round/>
+            <a:headEnd type="none" w="sm" len="sm"/>
+            <a:tailEnd type="none" w="sm" len="sm"/>
+          </a:ln>
+        </p:spPr>
+        <p:txBody>
+          <a:bodyPr spcFirstLastPara="1" wrap="square" lIns="91425" tIns="91425" rIns="91425" bIns="91425" anchor="ctr" anchorCtr="0">
+            <a:noAutofit/>
+          </a:bodyPr>
+          <a:lstStyle/>
+          <a:p>
+            <a:pPr marL="457200" lvl="0" indent="-292100">
+              <a:buClr>
+                <a:schemeClr val="dk1"/>
+              </a:buClr>
+              <a:buSzPts val="1000"/>
+              <a:buChar char="❖"/>
+            </a:pPr>
+            <a:r>
+              <a:rPr lang="pt-BR" sz="1200" dirty="0" smtClean="0">
+                <a:solidFill>
+                  <a:schemeClr val="dk1"/>
+                </a:solidFill>
+              </a:rPr>
+              <a:t>Realizar pagamento</a:t>
+            </a:r>
+            <a:r>
+              <a:rPr lang="pt-BR" sz="1200" dirty="0" smtClean="0"/>
+              <a:t>.</a:t>
+            </a:r>
+            <a:endParaRPr lang="pt-BR" sz="1200" dirty="0"/>
+          </a:p>
+          <a:p>
+            <a:pPr marL="165100" lvl="0" algn="l" rtl="0">
+              <a:spcBef>
+                <a:spcPts val="0"/>
+              </a:spcBef>
+              <a:spcAft>
+                <a:spcPts val="0"/>
+              </a:spcAft>
+              <a:buClr>
+                <a:schemeClr val="dk1"/>
+              </a:buClr>
+              <a:buSzPts val="1000"/>
+            </a:pPr>
+            <a:r>
+              <a:rPr lang="pt-BR" sz="1200" dirty="0"/>
+              <a:t> </a:t>
+            </a:r>
+            <a:endParaRPr sz="1200" dirty="0"/>
+          </a:p>
+        </p:txBody>
+      </p:sp>
+      <p:cxnSp>
+        <p:nvCxnSpPr>
+          <p:cNvPr id="111" name="Google Shape;111;p15"/>
+          <p:cNvCxnSpPr>
+            <a:cxnSpLocks/>
+            <a:stCxn id="112" idx="0"/>
+            <a:endCxn id="102" idx="2"/>
+          </p:cNvCxnSpPr>
+          <p:nvPr/>
+        </p:nvCxnSpPr>
+        <p:spPr>
+          <a:xfrm rot="-5400000">
+            <a:off x="3849102" y="1120888"/>
+            <a:ext cx="934500" cy="501300"/>
+          </a:xfrm>
+          <a:prstGeom prst="curvedConnector3">
+            <a:avLst>
+              <a:gd name="adj1" fmla="val 47226"/>
+            </a:avLst>
+          </a:prstGeom>
+          <a:noFill/>
+          <a:ln w="9525" cap="flat" cmpd="sng">
+            <a:solidFill>
+              <a:schemeClr val="dk2"/>
+            </a:solidFill>
+            <a:prstDash val="solid"/>
+            <a:round/>
+            <a:headEnd type="none" w="med" len="med"/>
+            <a:tailEnd type="none" w="med" len="med"/>
+          </a:ln>
+        </p:spPr>
+      </p:cxnSp>
+      <p:sp>
+        <p:nvSpPr>
+          <p:cNvPr id="113" name="Google Shape;113;p15"/>
+          <p:cNvSpPr txBox="1"/>
+          <p:nvPr/>
+        </p:nvSpPr>
+        <p:spPr>
+          <a:xfrm>
+            <a:off x="130400" y="2813122"/>
+            <a:ext cx="8542500" cy="1367400"/>
+          </a:xfrm>
+          <a:prstGeom prst="rect">
+            <a:avLst/>
+          </a:prstGeom>
+          <a:noFill/>
+          <a:ln w="9525" cap="flat" cmpd="sng">
+            <a:solidFill>
+              <a:srgbClr val="FF9900"/>
+            </a:solidFill>
+            <a:prstDash val="solid"/>
+            <a:round/>
+            <a:headEnd type="none" w="sm" len="sm"/>
+            <a:tailEnd type="none" w="sm" len="sm"/>
+          </a:ln>
+        </p:spPr>
+        <p:txBody>
+          <a:bodyPr spcFirstLastPara="1" wrap="square" lIns="91425" tIns="91425" rIns="91425" bIns="91425" anchor="t" anchorCtr="0">
+            <a:noAutofit/>
+          </a:bodyPr>
+          <a:lstStyle/>
+          <a:p>
+            <a:pPr marL="0" lvl="0" indent="0" algn="l" rtl="0">
+              <a:spcBef>
+                <a:spcPts val="0"/>
+              </a:spcBef>
+              <a:spcAft>
+                <a:spcPts val="0"/>
+              </a:spcAft>
+              <a:buNone/>
+            </a:pPr>
+            <a:r>
+              <a:rPr lang="pt-BR"/>
+              <a:t>Capacidades Operacionais</a:t>
+            </a:r>
+            <a:endParaRPr/>
+          </a:p>
+        </p:txBody>
+      </p:sp>
+      <p:grpSp>
+        <p:nvGrpSpPr>
+          <p:cNvPr id="115" name="Google Shape;115;p15"/>
+          <p:cNvGrpSpPr/>
+          <p:nvPr/>
+        </p:nvGrpSpPr>
+        <p:grpSpPr>
+          <a:xfrm>
+            <a:off x="1931279" y="1794131"/>
+            <a:ext cx="822600" cy="830488"/>
+            <a:chOff x="6787875" y="3204287"/>
+            <a:chExt cx="822600" cy="830488"/>
+          </a:xfrm>
+        </p:grpSpPr>
+        <p:grpSp>
+          <p:nvGrpSpPr>
+            <p:cNvPr id="116" name="Google Shape;116;p15"/>
+            <p:cNvGrpSpPr/>
+            <p:nvPr/>
+          </p:nvGrpSpPr>
+          <p:grpSpPr>
+            <a:xfrm>
+              <a:off x="7044733" y="3204287"/>
+              <a:ext cx="308885" cy="587736"/>
+              <a:chOff x="1499725" y="1450825"/>
+              <a:chExt cx="497400" cy="843600"/>
+            </a:xfrm>
+          </p:grpSpPr>
+          <p:sp>
+            <p:nvSpPr>
+              <p:cNvPr id="117" name="Google Shape;117;p15"/>
+              <p:cNvSpPr/>
+              <p:nvPr/>
+            </p:nvSpPr>
+            <p:spPr>
+              <a:xfrm>
+                <a:off x="1597825" y="1450825"/>
+                <a:ext cx="313200" cy="281400"/>
+              </a:xfrm>
+              <a:prstGeom prst="flowChartConnector">
+                <a:avLst/>
+              </a:prstGeom>
+              <a:solidFill>
+                <a:srgbClr val="EEEEEE"/>
+              </a:solidFill>
+              <a:ln w="9525" cap="flat" cmpd="sng">
+                <a:solidFill>
+                  <a:srgbClr val="595959"/>
+                </a:solidFill>
+                <a:prstDash val="solid"/>
+                <a:round/>
+                <a:headEnd type="none" w="sm" len="sm"/>
+                <a:tailEnd type="none" w="sm" len="sm"/>
+              </a:ln>
+            </p:spPr>
+            <p:txBody>
+              <a:bodyPr spcFirstLastPara="1" wrap="square" lIns="91425" tIns="91425" rIns="91425" bIns="91425" anchor="ctr" anchorCtr="0">
+                <a:noAutofit/>
+              </a:bodyPr>
+              <a:lstStyle/>
+              <a:p>
+                <a:pPr marL="0" lvl="0" indent="0" algn="l" rtl="0">
+                  <a:spcBef>
+                    <a:spcPts val="0"/>
+                  </a:spcBef>
+                  <a:spcAft>
+                    <a:spcPts val="0"/>
+                  </a:spcAft>
+                  <a:buNone/>
+                </a:pPr>
+                <a:endParaRPr/>
+              </a:p>
+            </p:txBody>
+          </p:sp>
+          <p:cxnSp>
+            <p:nvCxnSpPr>
+              <p:cNvPr id="118" name="Google Shape;118;p15"/>
+              <p:cNvCxnSpPr>
+                <a:stCxn id="117" idx="4"/>
+              </p:cNvCxnSpPr>
+              <p:nvPr/>
+            </p:nvCxnSpPr>
+            <p:spPr>
+              <a:xfrm flipH="1">
+                <a:off x="1748725" y="1732225"/>
+                <a:ext cx="5700" cy="293100"/>
+              </a:xfrm>
+              <a:prstGeom prst="straightConnector1">
+                <a:avLst/>
+              </a:prstGeom>
+              <a:noFill/>
+              <a:ln w="9525" cap="flat" cmpd="sng">
+                <a:solidFill>
+                  <a:srgbClr val="595959"/>
+                </a:solidFill>
+                <a:prstDash val="solid"/>
+                <a:round/>
+                <a:headEnd type="none" w="med" len="med"/>
+                <a:tailEnd type="none" w="med" len="med"/>
+              </a:ln>
+            </p:spPr>
+          </p:cxnSp>
+          <p:cxnSp>
+            <p:nvCxnSpPr>
+              <p:cNvPr id="119" name="Google Shape;119;p15"/>
+              <p:cNvCxnSpPr/>
+              <p:nvPr/>
+            </p:nvCxnSpPr>
+            <p:spPr>
+              <a:xfrm>
+                <a:off x="1527475" y="1858775"/>
+                <a:ext cx="453900" cy="1800"/>
+              </a:xfrm>
+              <a:prstGeom prst="straightConnector1">
+                <a:avLst/>
+              </a:prstGeom>
+              <a:noFill/>
+              <a:ln w="9525" cap="flat" cmpd="sng">
+                <a:solidFill>
+                  <a:srgbClr val="595959"/>
+                </a:solidFill>
+                <a:prstDash val="solid"/>
+                <a:round/>
+                <a:headEnd type="none" w="med" len="med"/>
+                <a:tailEnd type="none" w="med" len="med"/>
+              </a:ln>
+            </p:spPr>
+          </p:cxnSp>
+          <p:cxnSp>
+            <p:nvCxnSpPr>
+              <p:cNvPr id="120" name="Google Shape;120;p15"/>
+              <p:cNvCxnSpPr/>
+              <p:nvPr/>
+            </p:nvCxnSpPr>
+            <p:spPr>
+              <a:xfrm flipH="1">
+                <a:off x="1499725" y="2022925"/>
+                <a:ext cx="248700" cy="271500"/>
+              </a:xfrm>
+              <a:prstGeom prst="straightConnector1">
+                <a:avLst/>
+              </a:prstGeom>
+              <a:noFill/>
+              <a:ln w="9525" cap="flat" cmpd="sng">
+                <a:solidFill>
+                  <a:srgbClr val="595959"/>
+                </a:solidFill>
+                <a:prstDash val="solid"/>
+                <a:round/>
+                <a:headEnd type="none" w="med" len="med"/>
+                <a:tailEnd type="none" w="med" len="med"/>
+              </a:ln>
+            </p:spPr>
+          </p:cxnSp>
+          <p:cxnSp>
+            <p:nvCxnSpPr>
+              <p:cNvPr id="121" name="Google Shape;121;p15"/>
+              <p:cNvCxnSpPr/>
+              <p:nvPr/>
+            </p:nvCxnSpPr>
+            <p:spPr>
+              <a:xfrm rot="10800000">
+                <a:off x="1748425" y="2022925"/>
+                <a:ext cx="248700" cy="271500"/>
+              </a:xfrm>
+              <a:prstGeom prst="straightConnector1">
+                <a:avLst/>
+              </a:prstGeom>
+              <a:noFill/>
+              <a:ln w="9525" cap="flat" cmpd="sng">
+                <a:solidFill>
+                  <a:srgbClr val="595959"/>
+                </a:solidFill>
+                <a:prstDash val="solid"/>
+                <a:round/>
+                <a:headEnd type="none" w="med" len="med"/>
+                <a:tailEnd type="none" w="med" len="med"/>
+              </a:ln>
+            </p:spPr>
+          </p:cxnSp>
+        </p:grpSp>
+        <p:sp>
+          <p:nvSpPr>
+            <p:cNvPr id="122" name="Google Shape;122;p15"/>
+            <p:cNvSpPr txBox="1"/>
+            <p:nvPr/>
+          </p:nvSpPr>
+          <p:spPr>
+            <a:xfrm>
+              <a:off x="6787875" y="3691875"/>
+              <a:ext cx="822600" cy="342900"/>
+            </a:xfrm>
+            <a:prstGeom prst="rect">
+              <a:avLst/>
+            </a:prstGeom>
+            <a:noFill/>
+            <a:ln>
+              <a:noFill/>
+            </a:ln>
+          </p:spPr>
+          <p:txBody>
+            <a:bodyPr spcFirstLastPara="1" wrap="square" lIns="91425" tIns="91425" rIns="91425" bIns="91425" anchor="t" anchorCtr="0">
+              <a:noAutofit/>
+            </a:bodyPr>
+            <a:lstStyle/>
+            <a:p>
+              <a:pPr marL="0" lvl="0" indent="0" algn="ctr" rtl="0">
+                <a:spcBef>
+                  <a:spcPts val="0"/>
+                </a:spcBef>
+                <a:spcAft>
+                  <a:spcPts val="0"/>
+                </a:spcAft>
+                <a:buNone/>
+              </a:pPr>
+              <a:r>
+                <a:rPr lang="pt-BR" sz="1200" b="1" dirty="0"/>
+                <a:t>Cliente</a:t>
+              </a:r>
+              <a:endParaRPr sz="1200" b="1" dirty="0"/>
+            </a:p>
+          </p:txBody>
+        </p:sp>
+      </p:grpSp>
+      <p:cxnSp>
+        <p:nvCxnSpPr>
+          <p:cNvPr id="123" name="Google Shape;123;p15"/>
+          <p:cNvCxnSpPr>
+            <a:cxnSpLocks/>
+            <a:stCxn id="117" idx="0"/>
+            <a:endCxn id="102" idx="2"/>
+          </p:cNvCxnSpPr>
+          <p:nvPr/>
+        </p:nvCxnSpPr>
+        <p:spPr>
+          <a:xfrm rot="5400000" flipH="1" flipV="1">
+            <a:off x="3011688" y="238769"/>
+            <a:ext cx="889981" cy="2220744"/>
+          </a:xfrm>
+          <a:prstGeom prst="curvedConnector3">
+            <a:avLst>
+              <a:gd name="adj1" fmla="val 37896"/>
+            </a:avLst>
+          </a:prstGeom>
+          <a:noFill/>
+          <a:ln w="9525" cap="flat" cmpd="sng">
+            <a:solidFill>
+              <a:schemeClr val="dk2"/>
+            </a:solidFill>
+            <a:prstDash val="solid"/>
+            <a:round/>
+            <a:headEnd type="none" w="med" len="med"/>
+            <a:tailEnd type="none" w="med" len="med"/>
+          </a:ln>
+        </p:spPr>
+      </p:cxnSp>
+      <p:cxnSp>
+        <p:nvCxnSpPr>
+          <p:cNvPr id="124" name="Google Shape;124;p15"/>
+          <p:cNvCxnSpPr>
+            <a:cxnSpLocks/>
+            <a:stCxn id="112" idx="2"/>
+            <a:endCxn id="125" idx="1"/>
+          </p:cNvCxnSpPr>
+          <p:nvPr/>
+        </p:nvCxnSpPr>
+        <p:spPr>
+          <a:xfrm rot="16200000" flipH="1">
+            <a:off x="3888256" y="2547833"/>
+            <a:ext cx="1097015" cy="742123"/>
+          </a:xfrm>
+          <a:prstGeom prst="curvedConnector2">
+            <a:avLst/>
+          </a:prstGeom>
+          <a:noFill/>
+          <a:ln w="9525" cap="flat" cmpd="sng">
+            <a:solidFill>
+              <a:schemeClr val="dk2"/>
+            </a:solidFill>
+            <a:prstDash val="solid"/>
+            <a:round/>
+            <a:headEnd type="none" w="med" len="med"/>
+            <a:tailEnd type="none" w="med" len="med"/>
+          </a:ln>
+        </p:spPr>
+      </p:cxnSp>
+      <p:sp>
+        <p:nvSpPr>
+          <p:cNvPr id="125" name="Google Shape;125;p15"/>
+          <p:cNvSpPr/>
+          <p:nvPr/>
+        </p:nvSpPr>
+        <p:spPr>
+          <a:xfrm>
+            <a:off x="4807825" y="3136605"/>
+            <a:ext cx="1720566" cy="661595"/>
+          </a:xfrm>
+          <a:prstGeom prst="bracketPair">
+            <a:avLst/>
+          </a:prstGeom>
+          <a:noFill/>
+          <a:ln w="9525" cap="flat" cmpd="sng">
+            <a:solidFill>
+              <a:schemeClr val="dk2"/>
+            </a:solidFill>
+            <a:prstDash val="solid"/>
+            <a:round/>
+            <a:headEnd type="none" w="sm" len="sm"/>
+            <a:tailEnd type="none" w="sm" len="sm"/>
+          </a:ln>
+        </p:spPr>
+        <p:txBody>
+          <a:bodyPr spcFirstLastPara="1" wrap="square" lIns="91425" tIns="91425" rIns="91425" bIns="91425" anchor="ctr" anchorCtr="0">
+            <a:noAutofit/>
+          </a:bodyPr>
+          <a:lstStyle/>
+          <a:p>
+            <a:pPr marL="165100" lvl="0" algn="l" rtl="0">
+              <a:spcBef>
+                <a:spcPts val="0"/>
+              </a:spcBef>
+              <a:spcAft>
+                <a:spcPts val="0"/>
+              </a:spcAft>
+              <a:buSzPts val="1000"/>
+            </a:pPr>
+            <a:endParaRPr lang="pt-BR" sz="1000" dirty="0"/>
+          </a:p>
+          <a:p>
+            <a:pPr marL="457200" indent="-292100">
+              <a:buSzPts val="1000"/>
+              <a:buFont typeface="Arial"/>
+              <a:buChar char="●"/>
+            </a:pPr>
+            <a:r>
+              <a:rPr lang="pt-BR" sz="1000" dirty="0" smtClean="0">
+                <a:solidFill>
+                  <a:schemeClr val="dk1"/>
+                </a:solidFill>
+              </a:rPr>
+              <a:t>Receber pagamento;</a:t>
+            </a:r>
+            <a:endParaRPr lang="pt-BR" sz="1000" dirty="0">
+              <a:solidFill>
+                <a:schemeClr val="dk1"/>
+              </a:solidFill>
+            </a:endParaRPr>
+          </a:p>
+          <a:p>
+            <a:pPr marL="457200" lvl="0" indent="-292100" algn="l" rtl="0">
+              <a:spcBef>
+                <a:spcPts val="0"/>
+              </a:spcBef>
+              <a:spcAft>
+                <a:spcPts val="0"/>
+              </a:spcAft>
+              <a:buSzPts val="1000"/>
+              <a:buChar char="●"/>
+            </a:pPr>
+            <a:endParaRPr sz="1000" dirty="0"/>
+          </a:p>
+        </p:txBody>
+      </p:sp>
+      <p:sp>
+        <p:nvSpPr>
+          <p:cNvPr id="112" name="Google Shape;112;p15"/>
+          <p:cNvSpPr/>
+          <p:nvPr/>
+        </p:nvSpPr>
+        <p:spPr>
+          <a:xfrm>
+            <a:off x="3564402" y="1838788"/>
+            <a:ext cx="1002600" cy="531600"/>
+          </a:xfrm>
+          <a:prstGeom prst="roundRect">
+            <a:avLst>
+              <a:gd name="adj" fmla="val 16667"/>
+            </a:avLst>
+          </a:prstGeom>
+          <a:gradFill>
+            <a:gsLst>
+              <a:gs pos="0">
+                <a:srgbClr val="D4E5F5"/>
+              </a:gs>
+              <a:gs pos="100000">
+                <a:srgbClr val="70A4D5"/>
+              </a:gs>
+            </a:gsLst>
+            <a:path path="circle">
+              <a:fillToRect l="50000" t="50000" r="50000" b="50000"/>
+            </a:path>
+            <a:tileRect/>
+          </a:gradFill>
+          <a:ln w="9525" cap="flat" cmpd="sng">
+            <a:solidFill>
+              <a:srgbClr val="F3F3F3"/>
+            </a:solidFill>
+            <a:prstDash val="solid"/>
+            <a:round/>
+            <a:headEnd type="none" w="sm" len="sm"/>
+            <a:tailEnd type="none" w="sm" len="sm"/>
+          </a:ln>
+        </p:spPr>
+        <p:txBody>
+          <a:bodyPr spcFirstLastPara="1" wrap="square" lIns="91425" tIns="91425" rIns="91425" bIns="91425" anchor="ctr" anchorCtr="0">
+            <a:noAutofit/>
+          </a:bodyPr>
+          <a:lstStyle/>
+          <a:p>
+            <a:pPr marL="0" lvl="0" indent="0" algn="ctr" rtl="0">
+              <a:spcBef>
+                <a:spcPts val="0"/>
+              </a:spcBef>
+              <a:spcAft>
+                <a:spcPts val="0"/>
+              </a:spcAft>
+              <a:buNone/>
+            </a:pPr>
+            <a:r>
+              <a:rPr lang="pt-BR" sz="1000" dirty="0"/>
+              <a:t>Atendimento</a:t>
+            </a:r>
+            <a:endParaRPr sz="1000" dirty="0"/>
+          </a:p>
+        </p:txBody>
+      </p:sp>
+    </p:spTree>
+    <p:extLst>
+      <p:ext uri="{BB962C8B-B14F-4D97-AF65-F5344CB8AC3E}">
+        <p14:creationId xmlns:p14="http://schemas.microsoft.com/office/powerpoint/2010/main" val="2980314233"/>
+      </p:ext>
+    </p:extLst>
+  </p:cSld>
+  <p:clrMapOvr>
+    <a:masterClrMapping/>
+  </p:clrMapOvr>
+</p:sld>
+</file>
+
+<file path=ppt/slides/slide5.xml><?xml version="1.0" encoding="utf-8"?>
+<p:sld xmlns:a="http://schemas.openxmlformats.org/drawingml/2006/main" xmlns:r="http://schemas.openxmlformats.org/officeDocument/2006/relationships" xmlns:p="http://schemas.openxmlformats.org/presentationml/2006/main">
+  <p:cSld>
+    <p:spTree>
+      <p:nvGrpSpPr>
         <p:cNvPr id="1" name="Shape 53"/>
         <p:cNvGrpSpPr/>
         <p:nvPr/>
@@ -8233,8 +9038,21 @@
                   <a:schemeClr val="dk1"/>
                 </a:solidFill>
               </a:rPr>
-              <a:t>Realizar entrega;</a:t>
+              <a:t>Realizar </a:t>
             </a:r>
+            <a:r>
+              <a:rPr lang="pt-BR" sz="1000" dirty="0" smtClean="0">
+                <a:solidFill>
+                  <a:schemeClr val="dk1"/>
+                </a:solidFill>
+              </a:rPr>
+              <a:t>compra;</a:t>
+            </a:r>
+            <a:endParaRPr lang="pt-BR" sz="1000" dirty="0">
+              <a:solidFill>
+                <a:schemeClr val="dk1"/>
+              </a:solidFill>
+            </a:endParaRPr>
           </a:p>
         </p:txBody>
       </p:sp>
@@ -8322,7 +9140,7 @@
 </p:sld>
 </file>
 
-<file path=ppt/slides/slide5.xml><?xml version="1.0" encoding="utf-8"?>
+<file path=ppt/slides/slide6.xml><?xml version="1.0" encoding="utf-8"?>
 <p:sld xmlns:a="http://schemas.openxmlformats.org/drawingml/2006/main" xmlns:r="http://schemas.openxmlformats.org/officeDocument/2006/relationships" xmlns:p="http://schemas.openxmlformats.org/presentationml/2006/main">
   <p:cSld>
     <p:spTree>
@@ -8848,9 +9666,10 @@
               <a:buChar char="●"/>
             </a:pPr>
             <a:r>
-              <a:rPr lang="pt-BR" sz="1000" dirty="0"/>
-              <a:t>Receber entrega</a:t>
+              <a:rPr lang="pt-BR" sz="1000" dirty="0" smtClean="0"/>
+              <a:t>Realizar compra. </a:t>
             </a:r>
+            <a:endParaRPr lang="pt-BR" sz="1000" dirty="0"/>
           </a:p>
         </p:txBody>
       </p:sp>
